--- a/DS3/CRISTO É O MEU SOL.pptx
+++ b/DS3/CRISTO É O MEU SOL.pptx
@@ -7,15 +7,11 @@
   <p:sldIdLst>
     <p:sldId id="256" r:id="rId2"/>
     <p:sldId id="257" r:id="rId3"/>
-    <p:sldId id="273" r:id="rId4"/>
-    <p:sldId id="263" r:id="rId5"/>
-    <p:sldId id="274" r:id="rId6"/>
-    <p:sldId id="269" r:id="rId7"/>
-    <p:sldId id="270" r:id="rId8"/>
-    <p:sldId id="275" r:id="rId9"/>
-    <p:sldId id="271" r:id="rId10"/>
-    <p:sldId id="276" r:id="rId11"/>
-    <p:sldId id="272" r:id="rId12"/>
+    <p:sldId id="263" r:id="rId4"/>
+    <p:sldId id="269" r:id="rId5"/>
+    <p:sldId id="277" r:id="rId6"/>
+    <p:sldId id="278" r:id="rId7"/>
+    <p:sldId id="279" r:id="rId8"/>
   </p:sldIdLst>
   <p:sldSz cx="12192000" cy="6858000"/>
   <p:notesSz cx="6858000" cy="9144000"/>
@@ -586,7 +582,7 @@
           <a:p>
             <a:fld id="{F7AFFB9B-9FB8-469E-96F9-4D32314110B6}" type="datetimeFigureOut">
               <a:rPr lang="en-US" dirty="0"/>
-              <a:t>11/27/2019</a:t>
+              <a:t>10/28/2023</a:t>
             </a:fld>
             <a:endParaRPr lang="en-US" dirty="0"/>
           </a:p>
@@ -914,7 +910,7 @@
           <a:p>
             <a:fld id="{341D2AC3-6A0B-4169-B1EA-E3AE8B351BDD}" type="datetimeFigureOut">
               <a:rPr lang="en-US" dirty="0"/>
-              <a:t>11/27/2019</a:t>
+              <a:t>10/28/2023</a:t>
             </a:fld>
             <a:endParaRPr lang="en-US" dirty="0"/>
           </a:p>
@@ -1105,7 +1101,7 @@
           <a:p>
             <a:fld id="{DD4B9363-8B87-41B7-9F8E-64519CBB8F34}" type="datetimeFigureOut">
               <a:rPr lang="en-US" dirty="0"/>
-              <a:t>11/27/2019</a:t>
+              <a:t>10/28/2023</a:t>
             </a:fld>
             <a:endParaRPr lang="en-US" dirty="0"/>
           </a:p>
@@ -1370,7 +1366,7 @@
           <a:p>
             <a:fld id="{EAEF5746-5284-4951-9F37-7AE924EDBCB7}" type="datetimeFigureOut">
               <a:rPr lang="en-US" dirty="0"/>
-              <a:t>11/27/2019</a:t>
+              <a:t>10/28/2023</a:t>
             </a:fld>
             <a:endParaRPr lang="en-US" dirty="0"/>
           </a:p>
@@ -1793,7 +1789,7 @@
           <a:p>
             <a:fld id="{02398B29-7265-4A65-A2A4-6703C057B7C1}" type="datetimeFigureOut">
               <a:rPr lang="en-US" dirty="0"/>
-              <a:t>11/27/2019</a:t>
+              <a:t>10/28/2023</a:t>
             </a:fld>
             <a:endParaRPr lang="en-US" dirty="0"/>
           </a:p>
@@ -2338,7 +2334,7 @@
           <a:p>
             <a:fld id="{28FBA082-94DF-4C4B-A041-6624924AB0A8}" type="datetimeFigureOut">
               <a:rPr lang="en-US" dirty="0"/>
-              <a:t>11/27/2019</a:t>
+              <a:t>10/28/2023</a:t>
             </a:fld>
             <a:endParaRPr lang="en-US" dirty="0"/>
           </a:p>
@@ -3123,7 +3119,7 @@
           <a:p>
             <a:fld id="{B27686C4-3AB5-4E0C-86CA-FB108C350AA9}" type="datetimeFigureOut">
               <a:rPr lang="en-US" dirty="0"/>
-              <a:t>11/27/2019</a:t>
+              <a:t>10/28/2023</a:t>
             </a:fld>
             <a:endParaRPr lang="en-US" dirty="0"/>
           </a:p>
@@ -3297,7 +3293,7 @@
           <a:p>
             <a:fld id="{49FF1211-4E0C-4AB3-B04F-585959BDAFE8}" type="datetimeFigureOut">
               <a:rPr lang="en-US" dirty="0"/>
-              <a:t>11/27/2019</a:t>
+              <a:t>10/28/2023</a:t>
             </a:fld>
             <a:endParaRPr lang="en-US" dirty="0"/>
           </a:p>
@@ -3476,7 +3472,7 @@
           <a:p>
             <a:fld id="{28BDECAF-D3BE-4069-9C78-642ECCD01477}" type="datetimeFigureOut">
               <a:rPr lang="en-US" dirty="0"/>
-              <a:t>11/27/2019</a:t>
+              <a:t>10/28/2023</a:t>
             </a:fld>
             <a:endParaRPr lang="en-US" dirty="0"/>
           </a:p>
@@ -3646,7 +3642,7 @@
           <a:p>
             <a:fld id="{8EFBDC27-E420-4878-9EE6-7B9656D6442A}" type="datetimeFigureOut">
               <a:rPr lang="en-US" dirty="0"/>
-              <a:t>11/27/2019</a:t>
+              <a:t>10/28/2023</a:t>
             </a:fld>
             <a:endParaRPr lang="en-US" dirty="0"/>
           </a:p>
@@ -3891,7 +3887,7 @@
           <a:p>
             <a:fld id="{0F7F47CF-67C9-420C-80A5-E2069FF0C2DF}" type="datetimeFigureOut">
               <a:rPr lang="en-US" dirty="0"/>
-              <a:t>11/27/2019</a:t>
+              <a:t>10/28/2023</a:t>
             </a:fld>
             <a:endParaRPr lang="en-US" dirty="0"/>
           </a:p>
@@ -4123,7 +4119,7 @@
           <a:p>
             <a:fld id="{AE22DC73-F065-42F5-A9F2-D90B2E42A0B3}" type="datetimeFigureOut">
               <a:rPr lang="en-US" dirty="0"/>
-              <a:t>11/27/2019</a:t>
+              <a:t>10/28/2023</a:t>
             </a:fld>
             <a:endParaRPr lang="en-US" dirty="0"/>
           </a:p>
@@ -4503,7 +4499,7 @@
           <a:p>
             <a:fld id="{76BEA702-9B29-41CC-9BCC-3DF8A0D379FE}" type="datetimeFigureOut">
               <a:rPr lang="en-US" dirty="0"/>
-              <a:t>11/27/2019</a:t>
+              <a:t>10/28/2023</a:t>
             </a:fld>
             <a:endParaRPr lang="en-US" dirty="0"/>
           </a:p>
@@ -4616,7 +4612,7 @@
           <a:p>
             <a:fld id="{097649AC-CB8F-4FF1-9A34-5861C74DD0A7}" type="datetimeFigureOut">
               <a:rPr lang="en-US" dirty="0"/>
-              <a:t>11/27/2019</a:t>
+              <a:t>10/28/2023</a:t>
             </a:fld>
             <a:endParaRPr lang="en-US" dirty="0"/>
           </a:p>
@@ -4706,7 +4702,7 @@
           <a:p>
             <a:fld id="{3EC5CECA-2D3A-4680-9B49-752200DE467C}" type="datetimeFigureOut">
               <a:rPr lang="en-US" dirty="0"/>
-              <a:t>11/27/2019</a:t>
+              <a:t>10/28/2023</a:t>
             </a:fld>
             <a:endParaRPr lang="en-US" dirty="0"/>
           </a:p>
@@ -4954,7 +4950,7 @@
           <a:p>
             <a:fld id="{50C3BFE2-83B7-4B0A-B9D3-AB28331082B3}" type="datetimeFigureOut">
               <a:rPr lang="en-US" dirty="0"/>
-              <a:t>11/27/2019</a:t>
+              <a:t>10/28/2023</a:t>
             </a:fld>
             <a:endParaRPr lang="en-US" dirty="0"/>
           </a:p>
@@ -5218,7 +5214,7 @@
           <a:p>
             <a:fld id="{12EF78E3-FDA3-4D28-AAA2-0B81F349A39D}" type="datetimeFigureOut">
               <a:rPr lang="en-US" dirty="0"/>
-              <a:t>11/27/2019</a:t>
+              <a:t>10/28/2023</a:t>
             </a:fld>
             <a:endParaRPr lang="en-US" dirty="0"/>
           </a:p>
@@ -5616,7 +5612,7 @@
           <a:p>
             <a:fld id="{C35BB1C6-BF8F-4481-8AB2-603A1C8A906A}" type="datetimeFigureOut">
               <a:rPr lang="en-US" dirty="0"/>
-              <a:t>11/27/2019</a:t>
+              <a:t>10/28/2023</a:t>
             </a:fld>
             <a:endParaRPr lang="en-US" dirty="0"/>
           </a:p>
@@ -6177,315 +6173,6 @@
 </p:sld>
 </file>
 
-<file path=ppt/slides/slide10.xml><?xml version="1.0" encoding="utf-8"?>
-<p:sld xmlns:a="http://schemas.openxmlformats.org/drawingml/2006/main" xmlns:r="http://schemas.openxmlformats.org/officeDocument/2006/relationships" xmlns:p="http://schemas.openxmlformats.org/presentationml/2006/main" showMasterSp="0">
-  <p:cSld>
-    <p:bg>
-      <p:bgPr>
-        <a:blipFill dpi="0" rotWithShape="1">
-          <a:blip r:embed="rId2">
-            <a:lum/>
-          </a:blip>
-          <a:srcRect/>
-          <a:stretch>
-            <a:fillRect/>
-          </a:stretch>
-        </a:blipFill>
-        <a:effectLst/>
-      </p:bgPr>
-    </p:bg>
-    <p:spTree>
-      <p:nvGrpSpPr>
-        <p:cNvPr id="1" name=""/>
-        <p:cNvGrpSpPr/>
-        <p:nvPr/>
-      </p:nvGrpSpPr>
-      <p:grpSpPr>
-        <a:xfrm>
-          <a:off x="0" y="0"/>
-          <a:ext cx="0" cy="0"/>
-          <a:chOff x="0" y="0"/>
-          <a:chExt cx="0" cy="0"/>
-        </a:xfrm>
-      </p:grpSpPr>
-      <p:sp>
-        <p:nvSpPr>
-          <p:cNvPr id="5" name="Retângulo 4">
-            <a:extLst>
-              <a:ext uri="{FF2B5EF4-FFF2-40B4-BE49-F238E27FC236}">
-                <a16:creationId xmlns:a16="http://schemas.microsoft.com/office/drawing/2014/main" id="{1D393C7B-F67D-43D7-A64D-9B9A3E00C545}"/>
-              </a:ext>
-            </a:extLst>
-          </p:cNvPr>
-          <p:cNvSpPr/>
-          <p:nvPr/>
-        </p:nvSpPr>
-        <p:spPr>
-          <a:xfrm>
-            <a:off x="651803" y="928467"/>
-            <a:ext cx="10888394" cy="2554545"/>
-          </a:xfrm>
-          <a:prstGeom prst="rect">
-            <a:avLst/>
-          </a:prstGeom>
-        </p:spPr>
-        <p:txBody>
-          <a:bodyPr wrap="square">
-            <a:spAutoFit/>
-          </a:bodyPr>
-          <a:lstStyle/>
-          <a:p>
-            <a:pPr algn="ctr"/>
-            <a:br>
-              <a:rPr lang="pt-BR" sz="8000" b="1" dirty="0">
-                <a:latin typeface="Arial Black" panose="020B0A04020102090204" pitchFamily="34" charset="0"/>
-              </a:rPr>
-            </a:br>
-            <a:endParaRPr lang="pt-BR" sz="8000" b="1" dirty="0">
-              <a:latin typeface="Arial Black" panose="020B0A04020102090204" pitchFamily="34" charset="0"/>
-            </a:endParaRPr>
-          </a:p>
-        </p:txBody>
-      </p:sp>
-      <p:sp>
-        <p:nvSpPr>
-          <p:cNvPr id="2" name="Retângulo 1">
-            <a:extLst>
-              <a:ext uri="{FF2B5EF4-FFF2-40B4-BE49-F238E27FC236}">
-                <a16:creationId xmlns:a16="http://schemas.microsoft.com/office/drawing/2014/main" id="{19E22345-DFA3-4ADA-8B41-E73D2D5F18C5}"/>
-              </a:ext>
-            </a:extLst>
-          </p:cNvPr>
-          <p:cNvSpPr/>
-          <p:nvPr/>
-        </p:nvSpPr>
-        <p:spPr>
-          <a:xfrm>
-            <a:off x="0" y="332643"/>
-            <a:ext cx="12192000" cy="6001643"/>
-          </a:xfrm>
-          <a:prstGeom prst="rect">
-            <a:avLst/>
-          </a:prstGeom>
-        </p:spPr>
-        <p:txBody>
-          <a:bodyPr wrap="square">
-            <a:spAutoFit/>
-          </a:bodyPr>
-          <a:lstStyle/>
-          <a:p>
-            <a:pPr algn="ctr"/>
-            <a:r>
-              <a:rPr lang="pt-BR" sz="9600" b="1" dirty="0">
-                <a:latin typeface="Arial Black" panose="020B0A04020102090204" pitchFamily="34" charset="0"/>
-              </a:rPr>
-              <a:t>POIS O AMOR QUE ENCONTREI NADA</a:t>
-            </a:r>
-          </a:p>
-          <a:p>
-            <a:pPr algn="ctr"/>
-            <a:r>
-              <a:rPr lang="pt-BR" sz="9600" b="1" dirty="0">
-                <a:latin typeface="Arial Black" panose="020B0A04020102090204" pitchFamily="34" charset="0"/>
-              </a:rPr>
-              <a:t>PODE APAGAR</a:t>
-            </a:r>
-          </a:p>
-        </p:txBody>
-      </p:sp>
-    </p:spTree>
-    <p:extLst>
-      <p:ext uri="{BB962C8B-B14F-4D97-AF65-F5344CB8AC3E}">
-        <p14:creationId xmlns:p14="http://schemas.microsoft.com/office/powerpoint/2010/main" val="246699400"/>
-      </p:ext>
-    </p:extLst>
-  </p:cSld>
-  <p:clrMapOvr>
-    <a:masterClrMapping/>
-  </p:clrMapOvr>
-</p:sld>
-</file>
-
-<file path=ppt/slides/slide11.xml><?xml version="1.0" encoding="utf-8"?>
-<p:sld xmlns:a="http://schemas.openxmlformats.org/drawingml/2006/main" xmlns:r="http://schemas.openxmlformats.org/officeDocument/2006/relationships" xmlns:p="http://schemas.openxmlformats.org/presentationml/2006/main" showMasterSp="0">
-  <p:cSld>
-    <p:bg>
-      <p:bgPr>
-        <a:blipFill dpi="0" rotWithShape="1">
-          <a:blip r:embed="rId2">
-            <a:lum/>
-          </a:blip>
-          <a:srcRect/>
-          <a:stretch>
-            <a:fillRect/>
-          </a:stretch>
-        </a:blipFill>
-        <a:effectLst/>
-      </p:bgPr>
-    </p:bg>
-    <p:spTree>
-      <p:nvGrpSpPr>
-        <p:cNvPr id="1" name=""/>
-        <p:cNvGrpSpPr/>
-        <p:nvPr/>
-      </p:nvGrpSpPr>
-      <p:grpSpPr>
-        <a:xfrm>
-          <a:off x="0" y="0"/>
-          <a:ext cx="0" cy="0"/>
-          <a:chOff x="0" y="0"/>
-          <a:chExt cx="0" cy="0"/>
-        </a:xfrm>
-      </p:grpSpPr>
-      <p:sp>
-        <p:nvSpPr>
-          <p:cNvPr id="5" name="Retângulo 4">
-            <a:extLst>
-              <a:ext uri="{FF2B5EF4-FFF2-40B4-BE49-F238E27FC236}">
-                <a16:creationId xmlns:a16="http://schemas.microsoft.com/office/drawing/2014/main" id="{ACCC2D02-CA0A-49C9-8901-A3388CA6B177}"/>
-              </a:ext>
-            </a:extLst>
-          </p:cNvPr>
-          <p:cNvSpPr/>
-          <p:nvPr/>
-        </p:nvSpPr>
-        <p:spPr>
-          <a:xfrm>
-            <a:off x="482990" y="562707"/>
-            <a:ext cx="10832123" cy="3785652"/>
-          </a:xfrm>
-          <a:prstGeom prst="rect">
-            <a:avLst/>
-          </a:prstGeom>
-        </p:spPr>
-        <p:txBody>
-          <a:bodyPr wrap="square">
-            <a:spAutoFit/>
-          </a:bodyPr>
-          <a:lstStyle/>
-          <a:p>
-            <a:pPr algn="ctr"/>
-            <a:endParaRPr lang="pt-BR" sz="8000" dirty="0">
-              <a:latin typeface="Arial Black" panose="020B0A04020102090204" pitchFamily="34" charset="0"/>
-            </a:endParaRPr>
-          </a:p>
-          <a:p>
-            <a:pPr algn="ctr"/>
-            <a:br>
-              <a:rPr lang="pt-BR" sz="8000" dirty="0">
-                <a:latin typeface="Arial Black" panose="020B0A04020102090204" pitchFamily="34" charset="0"/>
-              </a:rPr>
-            </a:br>
-            <a:endParaRPr lang="pt-BR" sz="8000" dirty="0">
-              <a:latin typeface="Arial Black" panose="020B0A04020102090204" pitchFamily="34" charset="0"/>
-            </a:endParaRPr>
-          </a:p>
-        </p:txBody>
-      </p:sp>
-      <p:sp>
-        <p:nvSpPr>
-          <p:cNvPr id="2" name="Retângulo 1">
-            <a:extLst>
-              <a:ext uri="{FF2B5EF4-FFF2-40B4-BE49-F238E27FC236}">
-                <a16:creationId xmlns:a16="http://schemas.microsoft.com/office/drawing/2014/main" id="{8B5BFCFE-80BF-45C6-87B8-CAB1C2B0172A}"/>
-              </a:ext>
-            </a:extLst>
-          </p:cNvPr>
-          <p:cNvSpPr/>
-          <p:nvPr/>
-        </p:nvSpPr>
-        <p:spPr>
-          <a:xfrm>
-            <a:off x="377483" y="858127"/>
-            <a:ext cx="11437034" cy="2554545"/>
-          </a:xfrm>
-          <a:prstGeom prst="rect">
-            <a:avLst/>
-          </a:prstGeom>
-        </p:spPr>
-        <p:txBody>
-          <a:bodyPr wrap="square">
-            <a:spAutoFit/>
-          </a:bodyPr>
-          <a:lstStyle/>
-          <a:p>
-            <a:pPr algn="ctr"/>
-            <a:br>
-              <a:rPr lang="pt-BR" sz="8000" b="1" dirty="0">
-                <a:latin typeface="Arial Black" panose="020B0A04020102090204" pitchFamily="34" charset="0"/>
-              </a:rPr>
-            </a:br>
-            <a:endParaRPr lang="pt-BR" sz="8000" b="1" dirty="0">
-              <a:latin typeface="Arial Black" panose="020B0A04020102090204" pitchFamily="34" charset="0"/>
-            </a:endParaRPr>
-          </a:p>
-        </p:txBody>
-      </p:sp>
-      <p:sp>
-        <p:nvSpPr>
-          <p:cNvPr id="3" name="Retângulo 2">
-            <a:extLst>
-              <a:ext uri="{FF2B5EF4-FFF2-40B4-BE49-F238E27FC236}">
-                <a16:creationId xmlns:a16="http://schemas.microsoft.com/office/drawing/2014/main" id="{07BE0F7B-14DB-405C-8482-43CD7ABB4BCE}"/>
-              </a:ext>
-            </a:extLst>
-          </p:cNvPr>
-          <p:cNvSpPr/>
-          <p:nvPr/>
-        </p:nvSpPr>
-        <p:spPr>
-          <a:xfrm>
-            <a:off x="0" y="670429"/>
-            <a:ext cx="12191999" cy="7355860"/>
-          </a:xfrm>
-          <a:prstGeom prst="rect">
-            <a:avLst/>
-          </a:prstGeom>
-        </p:spPr>
-        <p:txBody>
-          <a:bodyPr wrap="square">
-            <a:spAutoFit/>
-          </a:bodyPr>
-          <a:lstStyle/>
-          <a:p>
-            <a:pPr algn="ctr"/>
-            <a:r>
-              <a:rPr lang="pt-BR" sz="9600" b="1" dirty="0">
-                <a:latin typeface="Arial Black" panose="020B0A04020102090204" pitchFamily="34" charset="0"/>
-              </a:rPr>
-              <a:t>LOUVADO SEJA O SENHOR </a:t>
-            </a:r>
-          </a:p>
-          <a:p>
-            <a:pPr algn="ctr"/>
-            <a:r>
-              <a:rPr lang="pt-BR" sz="9600" b="1" dirty="0">
-                <a:latin typeface="Arial Black" panose="020B0A04020102090204" pitchFamily="34" charset="0"/>
-              </a:rPr>
-              <a:t>O DEUS DE TODO PODER</a:t>
-            </a:r>
-          </a:p>
-          <a:p>
-            <a:pPr algn="ctr"/>
-            <a:endParaRPr lang="pt-BR" sz="8800" b="1" dirty="0">
-              <a:latin typeface="Arial Black" panose="020B0A04020102090204" pitchFamily="34" charset="0"/>
-            </a:endParaRPr>
-          </a:p>
-        </p:txBody>
-      </p:sp>
-    </p:spTree>
-    <p:extLst>
-      <p:ext uri="{BB962C8B-B14F-4D97-AF65-F5344CB8AC3E}">
-        <p14:creationId xmlns:p14="http://schemas.microsoft.com/office/powerpoint/2010/main" val="857163916"/>
-      </p:ext>
-    </p:extLst>
-  </p:cSld>
-  <p:clrMapOvr>
-    <a:masterClrMapping/>
-  </p:clrMapOvr>
-</p:sld>
-</file>
-
 <file path=ppt/slides/slide2.xml><?xml version="1.0" encoding="utf-8"?>
 <p:sld xmlns:a="http://schemas.openxmlformats.org/drawingml/2006/main" xmlns:r="http://schemas.openxmlformats.org/officeDocument/2006/relationships" xmlns:p="http://schemas.openxmlformats.org/presentationml/2006/main" showMasterSp="0">
   <p:cSld>
@@ -6570,8 +6257,8 @@
         </p:nvSpPr>
         <p:spPr>
           <a:xfrm>
-            <a:off x="0" y="428178"/>
-            <a:ext cx="12192000" cy="6001643"/>
+            <a:off x="397163" y="843677"/>
+            <a:ext cx="11397673" cy="5170646"/>
           </a:xfrm>
           <a:prstGeom prst="rect">
             <a:avLst/>
@@ -6583,39 +6270,27 @@
           </a:bodyPr>
           <a:lstStyle/>
           <a:p>
-            <a:pPr algn="ctr"/>
-            <a:r>
-              <a:rPr lang="pt-BR" sz="9600" b="1" dirty="0">
+            <a:r>
+              <a:rPr lang="pt-BR" sz="6600" b="1" dirty="0">
                 <a:latin typeface="Arial Black" panose="020B0A04020102090204" pitchFamily="34" charset="0"/>
               </a:rPr>
-              <a:t>CRISTO É O </a:t>
-            </a:r>
-          </a:p>
-          <a:p>
-            <a:pPr algn="ctr"/>
-            <a:r>
-              <a:rPr lang="pt-BR" sz="9600" b="1" dirty="0">
+              <a:t>CRISTO É O MEU SOL</a:t>
+            </a:r>
+          </a:p>
+          <a:p>
+            <a:r>
+              <a:rPr lang="pt-BR" sz="6600" b="1" dirty="0">
                 <a:latin typeface="Arial Black" panose="020B0A04020102090204" pitchFamily="34" charset="0"/>
               </a:rPr>
-              <a:t>MEU SOL</a:t>
-            </a:r>
-          </a:p>
-          <a:p>
-            <a:pPr algn="ctr"/>
-            <a:r>
-              <a:rPr lang="pt-BR" sz="9600" b="1" dirty="0">
+              <a:t>TUDO QUE TENHO EM MIM A RAZÃO DE VIVER </a:t>
+            </a:r>
+          </a:p>
+          <a:p>
+            <a:r>
+              <a:rPr lang="pt-BR" sz="6600" b="1" dirty="0">
                 <a:latin typeface="Arial Black" panose="020B0A04020102090204" pitchFamily="34" charset="0"/>
               </a:rPr>
-              <a:t>TUDO QUE </a:t>
-            </a:r>
-          </a:p>
-          <a:p>
-            <a:pPr algn="ctr"/>
-            <a:r>
-              <a:rPr lang="pt-BR" sz="9600" b="1" dirty="0">
-                <a:latin typeface="Arial Black" panose="020B0A04020102090204" pitchFamily="34" charset="0"/>
-              </a:rPr>
-              <a:t>TENHO EM MIM</a:t>
+              <a:t>A LUZ DO MEU CAMINHAR</a:t>
             </a:r>
           </a:p>
         </p:txBody>
@@ -6669,7 +6344,7 @@
           <p:cNvPr id="5" name="Retângulo 4">
             <a:extLst>
               <a:ext uri="{FF2B5EF4-FFF2-40B4-BE49-F238E27FC236}">
-                <a16:creationId xmlns:a16="http://schemas.microsoft.com/office/drawing/2014/main" id="{7A4BD605-D10C-450F-B4E1-542CCB57EAA6}"/>
+                <a16:creationId xmlns:a16="http://schemas.microsoft.com/office/drawing/2014/main" id="{1D393C7B-F67D-43D7-A64D-9B9A3E00C545}"/>
               </a:ext>
             </a:extLst>
           </p:cNvPr>
@@ -6678,8 +6353,8 @@
         </p:nvSpPr>
         <p:spPr>
           <a:xfrm>
-            <a:off x="-1323306" y="874455"/>
-            <a:ext cx="11943470" cy="2554545"/>
+            <a:off x="651803" y="928467"/>
+            <a:ext cx="10888394" cy="2554545"/>
           </a:xfrm>
           <a:prstGeom prst="rect">
             <a:avLst/>
@@ -6705,10 +6380,10 @@
       </p:sp>
       <p:sp>
         <p:nvSpPr>
-          <p:cNvPr id="3" name="Retângulo 2">
+          <p:cNvPr id="2" name="Retângulo 1">
             <a:extLst>
               <a:ext uri="{FF2B5EF4-FFF2-40B4-BE49-F238E27FC236}">
-                <a16:creationId xmlns:a16="http://schemas.microsoft.com/office/drawing/2014/main" id="{4262977E-4745-4694-9D15-F5F48F61D85F}"/>
+                <a16:creationId xmlns:a16="http://schemas.microsoft.com/office/drawing/2014/main" id="{19E22345-DFA3-4ADA-8B41-E73D2D5F18C5}"/>
               </a:ext>
             </a:extLst>
           </p:cNvPr>
@@ -6717,8 +6392,8 @@
         </p:nvSpPr>
         <p:spPr>
           <a:xfrm>
-            <a:off x="0" y="682149"/>
-            <a:ext cx="12192000" cy="6001643"/>
+            <a:off x="1045974" y="389857"/>
+            <a:ext cx="10100052" cy="6186309"/>
           </a:xfrm>
           <a:prstGeom prst="rect">
             <a:avLst/>
@@ -6730,21 +6405,27 @@
           </a:bodyPr>
           <a:lstStyle/>
           <a:p>
-            <a:pPr algn="ctr"/>
-            <a:r>
-              <a:rPr lang="pt-BR" sz="9600" b="1" dirty="0">
+            <a:r>
+              <a:rPr lang="pt-BR" sz="6600" b="1" dirty="0">
                 <a:latin typeface="Arial Black" panose="020B0A04020102090204" pitchFamily="34" charset="0"/>
               </a:rPr>
-              <a:t>A RAZÃO DE VIVER </a:t>
-            </a:r>
-          </a:p>
-          <a:p>
-            <a:pPr algn="ctr"/>
-            <a:r>
-              <a:rPr lang="pt-BR" sz="9600" b="1" dirty="0">
+              <a:t>NEM MESMO A DURA MORTE PODE NOS SEPARAR </a:t>
+            </a:r>
+          </a:p>
+          <a:p>
+            <a:r>
+              <a:rPr lang="pt-BR" sz="6600" b="1" dirty="0">
                 <a:latin typeface="Arial Black" panose="020B0A04020102090204" pitchFamily="34" charset="0"/>
               </a:rPr>
-              <a:t>A LUZ DO MEU CAMINHAR</a:t>
+              <a:t>POIS O AMOR QUE ENCONTREI NADA</a:t>
+            </a:r>
+          </a:p>
+          <a:p>
+            <a:r>
+              <a:rPr lang="pt-BR" sz="6600" b="1" dirty="0">
+                <a:latin typeface="Arial Black" panose="020B0A04020102090204" pitchFamily="34" charset="0"/>
+              </a:rPr>
+              <a:t>PODE APAGAR</a:t>
             </a:r>
           </a:p>
         </p:txBody>
@@ -6752,7 +6433,7 @@
     </p:spTree>
     <p:extLst>
       <p:ext uri="{BB962C8B-B14F-4D97-AF65-F5344CB8AC3E}">
-        <p14:creationId xmlns:p14="http://schemas.microsoft.com/office/powerpoint/2010/main" val="41851008"/>
+        <p14:creationId xmlns:p14="http://schemas.microsoft.com/office/powerpoint/2010/main" val="891000306"/>
       </p:ext>
     </p:extLst>
   </p:cSld>
@@ -6798,7 +6479,7 @@
           <p:cNvPr id="5" name="Retângulo 4">
             <a:extLst>
               <a:ext uri="{FF2B5EF4-FFF2-40B4-BE49-F238E27FC236}">
-                <a16:creationId xmlns:a16="http://schemas.microsoft.com/office/drawing/2014/main" id="{1D393C7B-F67D-43D7-A64D-9B9A3E00C545}"/>
+                <a16:creationId xmlns:a16="http://schemas.microsoft.com/office/drawing/2014/main" id="{ACCC2D02-CA0A-49C9-8901-A3388CA6B177}"/>
               </a:ext>
             </a:extLst>
           </p:cNvPr>
@@ -6807,8 +6488,53 @@
         </p:nvSpPr>
         <p:spPr>
           <a:xfrm>
-            <a:off x="651803" y="928467"/>
-            <a:ext cx="10888394" cy="2554545"/>
+            <a:off x="482990" y="562707"/>
+            <a:ext cx="10832123" cy="3785652"/>
+          </a:xfrm>
+          <a:prstGeom prst="rect">
+            <a:avLst/>
+          </a:prstGeom>
+        </p:spPr>
+        <p:txBody>
+          <a:bodyPr wrap="square">
+            <a:spAutoFit/>
+          </a:bodyPr>
+          <a:lstStyle/>
+          <a:p>
+            <a:pPr algn="ctr"/>
+            <a:endParaRPr lang="pt-BR" sz="8000" dirty="0">
+              <a:latin typeface="Arial Black" panose="020B0A04020102090204" pitchFamily="34" charset="0"/>
+            </a:endParaRPr>
+          </a:p>
+          <a:p>
+            <a:pPr algn="ctr"/>
+            <a:br>
+              <a:rPr lang="pt-BR" sz="8000" dirty="0">
+                <a:latin typeface="Arial Black" panose="020B0A04020102090204" pitchFamily="34" charset="0"/>
+              </a:rPr>
+            </a:br>
+            <a:endParaRPr lang="pt-BR" sz="8000" dirty="0">
+              <a:latin typeface="Arial Black" panose="020B0A04020102090204" pitchFamily="34" charset="0"/>
+            </a:endParaRPr>
+          </a:p>
+        </p:txBody>
+      </p:sp>
+      <p:sp>
+        <p:nvSpPr>
+          <p:cNvPr id="2" name="Retângulo 1">
+            <a:extLst>
+              <a:ext uri="{FF2B5EF4-FFF2-40B4-BE49-F238E27FC236}">
+                <a16:creationId xmlns:a16="http://schemas.microsoft.com/office/drawing/2014/main" id="{8B5BFCFE-80BF-45C6-87B8-CAB1C2B0172A}"/>
+              </a:ext>
+            </a:extLst>
+          </p:cNvPr>
+          <p:cNvSpPr/>
+          <p:nvPr/>
+        </p:nvSpPr>
+        <p:spPr>
+          <a:xfrm>
+            <a:off x="377483" y="858127"/>
+            <a:ext cx="11437034" cy="2554545"/>
           </a:xfrm>
           <a:prstGeom prst="rect">
             <a:avLst/>
@@ -6834,10 +6560,10 @@
       </p:sp>
       <p:sp>
         <p:nvSpPr>
-          <p:cNvPr id="2" name="Retângulo 1">
+          <p:cNvPr id="3" name="Retângulo 2">
             <a:extLst>
               <a:ext uri="{FF2B5EF4-FFF2-40B4-BE49-F238E27FC236}">
-                <a16:creationId xmlns:a16="http://schemas.microsoft.com/office/drawing/2014/main" id="{19E22345-DFA3-4ADA-8B41-E73D2D5F18C5}"/>
+                <a16:creationId xmlns:a16="http://schemas.microsoft.com/office/drawing/2014/main" id="{07BE0F7B-14DB-405C-8482-43CD7ABB4BCE}"/>
               </a:ext>
             </a:extLst>
           </p:cNvPr>
@@ -6846,8 +6572,8 @@
         </p:nvSpPr>
         <p:spPr>
           <a:xfrm>
-            <a:off x="-1" y="655512"/>
-            <a:ext cx="12192001" cy="6001643"/>
+            <a:off x="0" y="1073695"/>
+            <a:ext cx="12192000" cy="5016758"/>
           </a:xfrm>
           <a:prstGeom prst="rect">
             <a:avLst/>
@@ -6861,19 +6587,28 @@
           <a:p>
             <a:pPr algn="ctr"/>
             <a:r>
-              <a:rPr lang="pt-BR" sz="9600" b="1" dirty="0">
+              <a:rPr lang="pt-BR" sz="8000" b="1" dirty="0">
                 <a:latin typeface="Arial Black" panose="020B0A04020102090204" pitchFamily="34" charset="0"/>
               </a:rPr>
-              <a:t>NEM MESMO </a:t>
+              <a:t>LOUVADO SEJA </a:t>
             </a:r>
           </a:p>
           <a:p>
             <a:pPr algn="ctr"/>
             <a:r>
-              <a:rPr lang="pt-BR" sz="9600" b="1" dirty="0">
+              <a:rPr lang="pt-BR" sz="8000" b="1" dirty="0">
                 <a:latin typeface="Arial Black" panose="020B0A04020102090204" pitchFamily="34" charset="0"/>
               </a:rPr>
-              <a:t>A DURA MORTE PODE NOS SEPARAR</a:t>
+              <a:t>O SENHOR </a:t>
+            </a:r>
+          </a:p>
+          <a:p>
+            <a:pPr algn="ctr"/>
+            <a:r>
+              <a:rPr lang="pt-BR" sz="8000" b="1" dirty="0">
+                <a:latin typeface="Arial Black" panose="020B0A04020102090204" pitchFamily="34" charset="0"/>
+              </a:rPr>
+              <a:t>O DEUS DE TODO PODER</a:t>
             </a:r>
           </a:p>
         </p:txBody>
@@ -6881,7 +6616,7 @@
     </p:spTree>
     <p:extLst>
       <p:ext uri="{BB962C8B-B14F-4D97-AF65-F5344CB8AC3E}">
-        <p14:creationId xmlns:p14="http://schemas.microsoft.com/office/powerpoint/2010/main" val="891000306"/>
+        <p14:creationId xmlns:p14="http://schemas.microsoft.com/office/powerpoint/2010/main" val="2993416374"/>
       </p:ext>
     </p:extLst>
   </p:cSld>
@@ -6927,7 +6662,7 @@
           <p:cNvPr id="5" name="Retângulo 4">
             <a:extLst>
               <a:ext uri="{FF2B5EF4-FFF2-40B4-BE49-F238E27FC236}">
-                <a16:creationId xmlns:a16="http://schemas.microsoft.com/office/drawing/2014/main" id="{1D393C7B-F67D-43D7-A64D-9B9A3E00C545}"/>
+                <a16:creationId xmlns:a16="http://schemas.microsoft.com/office/drawing/2014/main" id="{7A4BD605-D10C-450F-B4E1-542CCB57EAA6}"/>
               </a:ext>
             </a:extLst>
           </p:cNvPr>
@@ -6936,8 +6671,8 @@
         </p:nvSpPr>
         <p:spPr>
           <a:xfrm>
-            <a:off x="651803" y="928467"/>
-            <a:ext cx="10888394" cy="2554545"/>
+            <a:off x="-1323306" y="874455"/>
+            <a:ext cx="11943470" cy="2554545"/>
           </a:xfrm>
           <a:prstGeom prst="rect">
             <a:avLst/>
@@ -6963,10 +6698,10 @@
       </p:sp>
       <p:sp>
         <p:nvSpPr>
-          <p:cNvPr id="2" name="Retângulo 1">
+          <p:cNvPr id="3" name="Retângulo 2">
             <a:extLst>
               <a:ext uri="{FF2B5EF4-FFF2-40B4-BE49-F238E27FC236}">
-                <a16:creationId xmlns:a16="http://schemas.microsoft.com/office/drawing/2014/main" id="{19E22345-DFA3-4ADA-8B41-E73D2D5F18C5}"/>
+                <a16:creationId xmlns:a16="http://schemas.microsoft.com/office/drawing/2014/main" id="{4262977E-4745-4694-9D15-F5F48F61D85F}"/>
               </a:ext>
             </a:extLst>
           </p:cNvPr>
@@ -6975,8 +6710,8 @@
         </p:nvSpPr>
         <p:spPr>
           <a:xfrm>
-            <a:off x="-1" y="428178"/>
-            <a:ext cx="12192001" cy="6001643"/>
+            <a:off x="397163" y="843677"/>
+            <a:ext cx="11397673" cy="5170646"/>
           </a:xfrm>
           <a:prstGeom prst="rect">
             <a:avLst/>
@@ -6988,21 +6723,27 @@
           </a:bodyPr>
           <a:lstStyle/>
           <a:p>
-            <a:pPr algn="ctr"/>
-            <a:r>
-              <a:rPr lang="pt-BR" sz="9600" b="1" dirty="0">
+            <a:r>
+              <a:rPr lang="pt-BR" sz="6600" b="1" dirty="0">
                 <a:latin typeface="Arial Black" panose="020B0A04020102090204" pitchFamily="34" charset="0"/>
               </a:rPr>
-              <a:t>POIS O AMOR QUE ENCONTREI NADA</a:t>
-            </a:r>
-          </a:p>
-          <a:p>
-            <a:pPr algn="ctr"/>
-            <a:r>
-              <a:rPr lang="pt-BR" sz="9600" b="1" dirty="0">
+              <a:t>CRISTO É O MEU SOL</a:t>
+            </a:r>
+          </a:p>
+          <a:p>
+            <a:r>
+              <a:rPr lang="pt-BR" sz="6600" b="1" dirty="0">
                 <a:latin typeface="Arial Black" panose="020B0A04020102090204" pitchFamily="34" charset="0"/>
               </a:rPr>
-              <a:t>PODE APAGAR</a:t>
+              <a:t>TUDO QUE TENHO EM MIM A RAZÃO DE VIVER </a:t>
+            </a:r>
+          </a:p>
+          <a:p>
+            <a:r>
+              <a:rPr lang="pt-BR" sz="6600" b="1" dirty="0">
+                <a:latin typeface="Arial Black" panose="020B0A04020102090204" pitchFamily="34" charset="0"/>
+              </a:rPr>
+              <a:t>A LUZ DO MEU CAMINHAR</a:t>
             </a:r>
           </a:p>
         </p:txBody>
@@ -7010,7 +6751,7 @@
     </p:spTree>
     <p:extLst>
       <p:ext uri="{BB962C8B-B14F-4D97-AF65-F5344CB8AC3E}">
-        <p14:creationId xmlns:p14="http://schemas.microsoft.com/office/powerpoint/2010/main" val="411195799"/>
+        <p14:creationId xmlns:p14="http://schemas.microsoft.com/office/powerpoint/2010/main" val="1864653388"/>
       </p:ext>
     </p:extLst>
   </p:cSld>
@@ -7056,7 +6797,7 @@
           <p:cNvPr id="5" name="Retângulo 4">
             <a:extLst>
               <a:ext uri="{FF2B5EF4-FFF2-40B4-BE49-F238E27FC236}">
-                <a16:creationId xmlns:a16="http://schemas.microsoft.com/office/drawing/2014/main" id="{ACCC2D02-CA0A-49C9-8901-A3388CA6B177}"/>
+                <a16:creationId xmlns:a16="http://schemas.microsoft.com/office/drawing/2014/main" id="{1D393C7B-F67D-43D7-A64D-9B9A3E00C545}"/>
               </a:ext>
             </a:extLst>
           </p:cNvPr>
@@ -7065,53 +6806,8 @@
         </p:nvSpPr>
         <p:spPr>
           <a:xfrm>
-            <a:off x="482990" y="562707"/>
-            <a:ext cx="10832123" cy="3785652"/>
-          </a:xfrm>
-          <a:prstGeom prst="rect">
-            <a:avLst/>
-          </a:prstGeom>
-        </p:spPr>
-        <p:txBody>
-          <a:bodyPr wrap="square">
-            <a:spAutoFit/>
-          </a:bodyPr>
-          <a:lstStyle/>
-          <a:p>
-            <a:pPr algn="ctr"/>
-            <a:endParaRPr lang="pt-BR" sz="8000" dirty="0">
-              <a:latin typeface="Arial Black" panose="020B0A04020102090204" pitchFamily="34" charset="0"/>
-            </a:endParaRPr>
-          </a:p>
-          <a:p>
-            <a:pPr algn="ctr"/>
-            <a:br>
-              <a:rPr lang="pt-BR" sz="8000" dirty="0">
-                <a:latin typeface="Arial Black" panose="020B0A04020102090204" pitchFamily="34" charset="0"/>
-              </a:rPr>
-            </a:br>
-            <a:endParaRPr lang="pt-BR" sz="8000" dirty="0">
-              <a:latin typeface="Arial Black" panose="020B0A04020102090204" pitchFamily="34" charset="0"/>
-            </a:endParaRPr>
-          </a:p>
-        </p:txBody>
-      </p:sp>
-      <p:sp>
-        <p:nvSpPr>
-          <p:cNvPr id="2" name="Retângulo 1">
-            <a:extLst>
-              <a:ext uri="{FF2B5EF4-FFF2-40B4-BE49-F238E27FC236}">
-                <a16:creationId xmlns:a16="http://schemas.microsoft.com/office/drawing/2014/main" id="{8B5BFCFE-80BF-45C6-87B8-CAB1C2B0172A}"/>
-              </a:ext>
-            </a:extLst>
-          </p:cNvPr>
-          <p:cNvSpPr/>
-          <p:nvPr/>
-        </p:nvSpPr>
-        <p:spPr>
-          <a:xfrm>
-            <a:off x="377483" y="858127"/>
-            <a:ext cx="11437034" cy="2554545"/>
+            <a:off x="651803" y="928467"/>
+            <a:ext cx="10888394" cy="2554545"/>
           </a:xfrm>
           <a:prstGeom prst="rect">
             <a:avLst/>
@@ -7137,10 +6833,10 @@
       </p:sp>
       <p:sp>
         <p:nvSpPr>
-          <p:cNvPr id="3" name="Retângulo 2">
+          <p:cNvPr id="2" name="Retângulo 1">
             <a:extLst>
               <a:ext uri="{FF2B5EF4-FFF2-40B4-BE49-F238E27FC236}">
-                <a16:creationId xmlns:a16="http://schemas.microsoft.com/office/drawing/2014/main" id="{07BE0F7B-14DB-405C-8482-43CD7ABB4BCE}"/>
+                <a16:creationId xmlns:a16="http://schemas.microsoft.com/office/drawing/2014/main" id="{19E22345-DFA3-4ADA-8B41-E73D2D5F18C5}"/>
               </a:ext>
             </a:extLst>
           </p:cNvPr>
@@ -7149,8 +6845,8 @@
         </p:nvSpPr>
         <p:spPr>
           <a:xfrm>
-            <a:off x="0" y="669701"/>
-            <a:ext cx="12192000" cy="6832640"/>
+            <a:off x="1045974" y="389857"/>
+            <a:ext cx="10100052" cy="6186309"/>
           </a:xfrm>
           <a:prstGeom prst="rect">
             <a:avLst/>
@@ -7162,44 +6858,35 @@
           </a:bodyPr>
           <a:lstStyle/>
           <a:p>
-            <a:pPr algn="ctr"/>
-            <a:r>
-              <a:rPr lang="pt-BR" sz="9600" b="1" dirty="0">
+            <a:r>
+              <a:rPr lang="pt-BR" sz="6600" b="1" dirty="0">
                 <a:latin typeface="Arial Black" panose="020B0A04020102090204" pitchFamily="34" charset="0"/>
               </a:rPr>
-              <a:t>LOUVADO SEJA </a:t>
-            </a:r>
-          </a:p>
-          <a:p>
-            <a:pPr algn="ctr"/>
-            <a:r>
-              <a:rPr lang="pt-BR" sz="9600" b="1" dirty="0">
+              <a:t>NEM MESMO A DURA MORTE PODE NOS SEPARAR </a:t>
+            </a:r>
+          </a:p>
+          <a:p>
+            <a:r>
+              <a:rPr lang="pt-BR" sz="6600" b="1" dirty="0">
                 <a:latin typeface="Arial Black" panose="020B0A04020102090204" pitchFamily="34" charset="0"/>
               </a:rPr>
-              <a:t>O SENHOR </a:t>
-            </a:r>
-          </a:p>
-          <a:p>
-            <a:pPr algn="ctr"/>
-            <a:r>
-              <a:rPr lang="pt-BR" sz="9600" b="1" dirty="0">
+              <a:t>POIS O AMOR QUE ENCONTREI NADA</a:t>
+            </a:r>
+          </a:p>
+          <a:p>
+            <a:r>
+              <a:rPr lang="pt-BR" sz="6600" b="1" dirty="0">
                 <a:latin typeface="Arial Black" panose="020B0A04020102090204" pitchFamily="34" charset="0"/>
               </a:rPr>
-              <a:t>O DEUS DE TODO PODER</a:t>
-            </a:r>
-          </a:p>
-          <a:p>
-            <a:pPr algn="ctr"/>
-            <a:endParaRPr lang="pt-BR" sz="5400" b="1" dirty="0">
-              <a:latin typeface="Arial Black" panose="020B0A04020102090204" pitchFamily="34" charset="0"/>
-            </a:endParaRPr>
+              <a:t>PODE APAGAR</a:t>
+            </a:r>
           </a:p>
         </p:txBody>
       </p:sp>
     </p:spTree>
     <p:extLst>
       <p:ext uri="{BB962C8B-B14F-4D97-AF65-F5344CB8AC3E}">
-        <p14:creationId xmlns:p14="http://schemas.microsoft.com/office/powerpoint/2010/main" val="2993416374"/>
+        <p14:creationId xmlns:p14="http://schemas.microsoft.com/office/powerpoint/2010/main" val="1471902896"/>
       </p:ext>
     </p:extLst>
   </p:cSld>
@@ -7245,7 +6932,7 @@
           <p:cNvPr id="5" name="Retângulo 4">
             <a:extLst>
               <a:ext uri="{FF2B5EF4-FFF2-40B4-BE49-F238E27FC236}">
-                <a16:creationId xmlns:a16="http://schemas.microsoft.com/office/drawing/2014/main" id="{7A4BD605-D10C-450F-B4E1-542CCB57EAA6}"/>
+                <a16:creationId xmlns:a16="http://schemas.microsoft.com/office/drawing/2014/main" id="{ACCC2D02-CA0A-49C9-8901-A3388CA6B177}"/>
               </a:ext>
             </a:extLst>
           </p:cNvPr>
@@ -7254,8 +6941,53 @@
         </p:nvSpPr>
         <p:spPr>
           <a:xfrm>
-            <a:off x="-1323306" y="874455"/>
-            <a:ext cx="11943470" cy="2554545"/>
+            <a:off x="482990" y="562707"/>
+            <a:ext cx="10832123" cy="3785652"/>
+          </a:xfrm>
+          <a:prstGeom prst="rect">
+            <a:avLst/>
+          </a:prstGeom>
+        </p:spPr>
+        <p:txBody>
+          <a:bodyPr wrap="square">
+            <a:spAutoFit/>
+          </a:bodyPr>
+          <a:lstStyle/>
+          <a:p>
+            <a:pPr algn="ctr"/>
+            <a:endParaRPr lang="pt-BR" sz="8000" dirty="0">
+              <a:latin typeface="Arial Black" panose="020B0A04020102090204" pitchFamily="34" charset="0"/>
+            </a:endParaRPr>
+          </a:p>
+          <a:p>
+            <a:pPr algn="ctr"/>
+            <a:br>
+              <a:rPr lang="pt-BR" sz="8000" dirty="0">
+                <a:latin typeface="Arial Black" panose="020B0A04020102090204" pitchFamily="34" charset="0"/>
+              </a:rPr>
+            </a:br>
+            <a:endParaRPr lang="pt-BR" sz="8000" dirty="0">
+              <a:latin typeface="Arial Black" panose="020B0A04020102090204" pitchFamily="34" charset="0"/>
+            </a:endParaRPr>
+          </a:p>
+        </p:txBody>
+      </p:sp>
+      <p:sp>
+        <p:nvSpPr>
+          <p:cNvPr id="2" name="Retângulo 1">
+            <a:extLst>
+              <a:ext uri="{FF2B5EF4-FFF2-40B4-BE49-F238E27FC236}">
+                <a16:creationId xmlns:a16="http://schemas.microsoft.com/office/drawing/2014/main" id="{8B5BFCFE-80BF-45C6-87B8-CAB1C2B0172A}"/>
+              </a:ext>
+            </a:extLst>
+          </p:cNvPr>
+          <p:cNvSpPr/>
+          <p:nvPr/>
+        </p:nvSpPr>
+        <p:spPr>
+          <a:xfrm>
+            <a:off x="377483" y="858127"/>
+            <a:ext cx="11437034" cy="2554545"/>
           </a:xfrm>
           <a:prstGeom prst="rect">
             <a:avLst/>
@@ -7284,7 +7016,7 @@
           <p:cNvPr id="3" name="Retângulo 2">
             <a:extLst>
               <a:ext uri="{FF2B5EF4-FFF2-40B4-BE49-F238E27FC236}">
-                <a16:creationId xmlns:a16="http://schemas.microsoft.com/office/drawing/2014/main" id="{4262977E-4745-4694-9D15-F5F48F61D85F}"/>
+                <a16:creationId xmlns:a16="http://schemas.microsoft.com/office/drawing/2014/main" id="{07BE0F7B-14DB-405C-8482-43CD7ABB4BCE}"/>
               </a:ext>
             </a:extLst>
           </p:cNvPr>
@@ -7293,8 +7025,8 @@
         </p:nvSpPr>
         <p:spPr>
           <a:xfrm>
-            <a:off x="0" y="428178"/>
-            <a:ext cx="12192000" cy="6001643"/>
+            <a:off x="0" y="1073695"/>
+            <a:ext cx="12192000" cy="5016758"/>
           </a:xfrm>
           <a:prstGeom prst="rect">
             <a:avLst/>
@@ -7308,37 +7040,28 @@
           <a:p>
             <a:pPr algn="ctr"/>
             <a:r>
-              <a:rPr lang="pt-BR" sz="9600" b="1" dirty="0">
+              <a:rPr lang="pt-BR" sz="8000" b="1" dirty="0">
                 <a:latin typeface="Arial Black" panose="020B0A04020102090204" pitchFamily="34" charset="0"/>
               </a:rPr>
-              <a:t>CRISTO É O </a:t>
+              <a:t>LOUVADO SEJA </a:t>
             </a:r>
           </a:p>
           <a:p>
             <a:pPr algn="ctr"/>
             <a:r>
-              <a:rPr lang="pt-BR" sz="9600" b="1" dirty="0">
+              <a:rPr lang="pt-BR" sz="8000" b="1" dirty="0">
                 <a:latin typeface="Arial Black" panose="020B0A04020102090204" pitchFamily="34" charset="0"/>
               </a:rPr>
-              <a:t>MEU SOL</a:t>
+              <a:t>O SENHOR </a:t>
             </a:r>
           </a:p>
           <a:p>
             <a:pPr algn="ctr"/>
             <a:r>
-              <a:rPr lang="pt-BR" sz="9600" b="1" dirty="0">
+              <a:rPr lang="pt-BR" sz="8000" b="1" dirty="0">
                 <a:latin typeface="Arial Black" panose="020B0A04020102090204" pitchFamily="34" charset="0"/>
               </a:rPr>
-              <a:t>TUDO QUE </a:t>
-            </a:r>
-          </a:p>
-          <a:p>
-            <a:pPr algn="ctr"/>
-            <a:r>
-              <a:rPr lang="pt-BR" sz="9600" b="1" dirty="0">
-                <a:latin typeface="Arial Black" panose="020B0A04020102090204" pitchFamily="34" charset="0"/>
-              </a:rPr>
-              <a:t>TENHO EM MIM</a:t>
+              <a:t>O DEUS DE TODO PODER</a:t>
             </a:r>
           </a:p>
         </p:txBody>
@@ -7346,265 +7069,7 @@
     </p:spTree>
     <p:extLst>
       <p:ext uri="{BB962C8B-B14F-4D97-AF65-F5344CB8AC3E}">
-        <p14:creationId xmlns:p14="http://schemas.microsoft.com/office/powerpoint/2010/main" val="3175829615"/>
-      </p:ext>
-    </p:extLst>
-  </p:cSld>
-  <p:clrMapOvr>
-    <a:masterClrMapping/>
-  </p:clrMapOvr>
-</p:sld>
-</file>
-
-<file path=ppt/slides/slide8.xml><?xml version="1.0" encoding="utf-8"?>
-<p:sld xmlns:a="http://schemas.openxmlformats.org/drawingml/2006/main" xmlns:r="http://schemas.openxmlformats.org/officeDocument/2006/relationships" xmlns:p="http://schemas.openxmlformats.org/presentationml/2006/main" showMasterSp="0">
-  <p:cSld>
-    <p:bg>
-      <p:bgPr>
-        <a:blipFill dpi="0" rotWithShape="1">
-          <a:blip r:embed="rId2">
-            <a:lum/>
-          </a:blip>
-          <a:srcRect/>
-          <a:stretch>
-            <a:fillRect/>
-          </a:stretch>
-        </a:blipFill>
-        <a:effectLst/>
-      </p:bgPr>
-    </p:bg>
-    <p:spTree>
-      <p:nvGrpSpPr>
-        <p:cNvPr id="1" name=""/>
-        <p:cNvGrpSpPr/>
-        <p:nvPr/>
-      </p:nvGrpSpPr>
-      <p:grpSpPr>
-        <a:xfrm>
-          <a:off x="0" y="0"/>
-          <a:ext cx="0" cy="0"/>
-          <a:chOff x="0" y="0"/>
-          <a:chExt cx="0" cy="0"/>
-        </a:xfrm>
-      </p:grpSpPr>
-      <p:sp>
-        <p:nvSpPr>
-          <p:cNvPr id="5" name="Retângulo 4">
-            <a:extLst>
-              <a:ext uri="{FF2B5EF4-FFF2-40B4-BE49-F238E27FC236}">
-                <a16:creationId xmlns:a16="http://schemas.microsoft.com/office/drawing/2014/main" id="{7A4BD605-D10C-450F-B4E1-542CCB57EAA6}"/>
-              </a:ext>
-            </a:extLst>
-          </p:cNvPr>
-          <p:cNvSpPr/>
-          <p:nvPr/>
-        </p:nvSpPr>
-        <p:spPr>
-          <a:xfrm>
-            <a:off x="-1323306" y="874455"/>
-            <a:ext cx="11943470" cy="2554545"/>
-          </a:xfrm>
-          <a:prstGeom prst="rect">
-            <a:avLst/>
-          </a:prstGeom>
-        </p:spPr>
-        <p:txBody>
-          <a:bodyPr wrap="square">
-            <a:spAutoFit/>
-          </a:bodyPr>
-          <a:lstStyle/>
-          <a:p>
-            <a:pPr algn="ctr"/>
-            <a:br>
-              <a:rPr lang="pt-BR" sz="8000" b="1" dirty="0">
-                <a:latin typeface="Arial Black" panose="020B0A04020102090204" pitchFamily="34" charset="0"/>
-              </a:rPr>
-            </a:br>
-            <a:endParaRPr lang="pt-BR" sz="8000" b="1" dirty="0">
-              <a:latin typeface="Arial Black" panose="020B0A04020102090204" pitchFamily="34" charset="0"/>
-            </a:endParaRPr>
-          </a:p>
-        </p:txBody>
-      </p:sp>
-      <p:sp>
-        <p:nvSpPr>
-          <p:cNvPr id="3" name="Retângulo 2">
-            <a:extLst>
-              <a:ext uri="{FF2B5EF4-FFF2-40B4-BE49-F238E27FC236}">
-                <a16:creationId xmlns:a16="http://schemas.microsoft.com/office/drawing/2014/main" id="{4262977E-4745-4694-9D15-F5F48F61D85F}"/>
-              </a:ext>
-            </a:extLst>
-          </p:cNvPr>
-          <p:cNvSpPr/>
-          <p:nvPr/>
-        </p:nvSpPr>
-        <p:spPr>
-          <a:xfrm>
-            <a:off x="0" y="692584"/>
-            <a:ext cx="12192000" cy="6001643"/>
-          </a:xfrm>
-          <a:prstGeom prst="rect">
-            <a:avLst/>
-          </a:prstGeom>
-        </p:spPr>
-        <p:txBody>
-          <a:bodyPr wrap="square">
-            <a:spAutoFit/>
-          </a:bodyPr>
-          <a:lstStyle/>
-          <a:p>
-            <a:pPr algn="ctr"/>
-            <a:r>
-              <a:rPr lang="pt-BR" sz="9600" b="1" dirty="0">
-                <a:latin typeface="Arial Black" panose="020B0A04020102090204" pitchFamily="34" charset="0"/>
-              </a:rPr>
-              <a:t>A RAZÃO DE VIVER</a:t>
-            </a:r>
-          </a:p>
-          <a:p>
-            <a:pPr algn="ctr"/>
-            <a:r>
-              <a:rPr lang="pt-BR" sz="9600" b="1" dirty="0">
-                <a:latin typeface="Arial Black" panose="020B0A04020102090204" pitchFamily="34" charset="0"/>
-              </a:rPr>
-              <a:t> A LUZ DO MEU CAMINHAR</a:t>
-            </a:r>
-          </a:p>
-        </p:txBody>
-      </p:sp>
-    </p:spTree>
-    <p:extLst>
-      <p:ext uri="{BB962C8B-B14F-4D97-AF65-F5344CB8AC3E}">
-        <p14:creationId xmlns:p14="http://schemas.microsoft.com/office/powerpoint/2010/main" val="1565216380"/>
-      </p:ext>
-    </p:extLst>
-  </p:cSld>
-  <p:clrMapOvr>
-    <a:masterClrMapping/>
-  </p:clrMapOvr>
-</p:sld>
-</file>
-
-<file path=ppt/slides/slide9.xml><?xml version="1.0" encoding="utf-8"?>
-<p:sld xmlns:a="http://schemas.openxmlformats.org/drawingml/2006/main" xmlns:r="http://schemas.openxmlformats.org/officeDocument/2006/relationships" xmlns:p="http://schemas.openxmlformats.org/presentationml/2006/main" showMasterSp="0">
-  <p:cSld>
-    <p:bg>
-      <p:bgPr>
-        <a:blipFill dpi="0" rotWithShape="1">
-          <a:blip r:embed="rId2">
-            <a:lum/>
-          </a:blip>
-          <a:srcRect/>
-          <a:stretch>
-            <a:fillRect/>
-          </a:stretch>
-        </a:blipFill>
-        <a:effectLst/>
-      </p:bgPr>
-    </p:bg>
-    <p:spTree>
-      <p:nvGrpSpPr>
-        <p:cNvPr id="1" name=""/>
-        <p:cNvGrpSpPr/>
-        <p:nvPr/>
-      </p:nvGrpSpPr>
-      <p:grpSpPr>
-        <a:xfrm>
-          <a:off x="0" y="0"/>
-          <a:ext cx="0" cy="0"/>
-          <a:chOff x="0" y="0"/>
-          <a:chExt cx="0" cy="0"/>
-        </a:xfrm>
-      </p:grpSpPr>
-      <p:sp>
-        <p:nvSpPr>
-          <p:cNvPr id="5" name="Retângulo 4">
-            <a:extLst>
-              <a:ext uri="{FF2B5EF4-FFF2-40B4-BE49-F238E27FC236}">
-                <a16:creationId xmlns:a16="http://schemas.microsoft.com/office/drawing/2014/main" id="{1D393C7B-F67D-43D7-A64D-9B9A3E00C545}"/>
-              </a:ext>
-            </a:extLst>
-          </p:cNvPr>
-          <p:cNvSpPr/>
-          <p:nvPr/>
-        </p:nvSpPr>
-        <p:spPr>
-          <a:xfrm>
-            <a:off x="651803" y="928467"/>
-            <a:ext cx="10888394" cy="2554545"/>
-          </a:xfrm>
-          <a:prstGeom prst="rect">
-            <a:avLst/>
-          </a:prstGeom>
-        </p:spPr>
-        <p:txBody>
-          <a:bodyPr wrap="square">
-            <a:spAutoFit/>
-          </a:bodyPr>
-          <a:lstStyle/>
-          <a:p>
-            <a:pPr algn="ctr"/>
-            <a:br>
-              <a:rPr lang="pt-BR" sz="8000" b="1" dirty="0">
-                <a:latin typeface="Arial Black" panose="020B0A04020102090204" pitchFamily="34" charset="0"/>
-              </a:rPr>
-            </a:br>
-            <a:endParaRPr lang="pt-BR" sz="8000" b="1" dirty="0">
-              <a:latin typeface="Arial Black" panose="020B0A04020102090204" pitchFamily="34" charset="0"/>
-            </a:endParaRPr>
-          </a:p>
-        </p:txBody>
-      </p:sp>
-      <p:sp>
-        <p:nvSpPr>
-          <p:cNvPr id="2" name="Retângulo 1">
-            <a:extLst>
-              <a:ext uri="{FF2B5EF4-FFF2-40B4-BE49-F238E27FC236}">
-                <a16:creationId xmlns:a16="http://schemas.microsoft.com/office/drawing/2014/main" id="{19E22345-DFA3-4ADA-8B41-E73D2D5F18C5}"/>
-              </a:ext>
-            </a:extLst>
-          </p:cNvPr>
-          <p:cNvSpPr/>
-          <p:nvPr/>
-        </p:nvSpPr>
-        <p:spPr>
-          <a:xfrm>
-            <a:off x="0" y="695870"/>
-            <a:ext cx="12192000" cy="6001643"/>
-          </a:xfrm>
-          <a:prstGeom prst="rect">
-            <a:avLst/>
-          </a:prstGeom>
-        </p:spPr>
-        <p:txBody>
-          <a:bodyPr wrap="square">
-            <a:spAutoFit/>
-          </a:bodyPr>
-          <a:lstStyle/>
-          <a:p>
-            <a:pPr algn="ctr"/>
-            <a:r>
-              <a:rPr lang="pt-BR" sz="9600" b="1" dirty="0">
-                <a:latin typeface="Arial Black" panose="020B0A04020102090204" pitchFamily="34" charset="0"/>
-              </a:rPr>
-              <a:t>NEM MESMO </a:t>
-            </a:r>
-          </a:p>
-          <a:p>
-            <a:pPr algn="ctr"/>
-            <a:r>
-              <a:rPr lang="pt-BR" sz="9600" b="1" dirty="0">
-                <a:latin typeface="Arial Black" panose="020B0A04020102090204" pitchFamily="34" charset="0"/>
-              </a:rPr>
-              <a:t>A DURA MORTE PODE NOS SEPARAR</a:t>
-            </a:r>
-          </a:p>
-        </p:txBody>
-      </p:sp>
-    </p:spTree>
-    <p:extLst>
-      <p:ext uri="{BB962C8B-B14F-4D97-AF65-F5344CB8AC3E}">
-        <p14:creationId xmlns:p14="http://schemas.microsoft.com/office/powerpoint/2010/main" val="2131632265"/>
+        <p14:creationId xmlns:p14="http://schemas.microsoft.com/office/powerpoint/2010/main" val="1390120902"/>
       </p:ext>
     </p:extLst>
   </p:cSld>
